--- a/clases/expo2/jose_parte1.pptx
+++ b/clases/expo2/jose_parte1.pptx
@@ -306,7 +306,7 @@
             <a:fld id="{1D8BD707-D9CF-40AE-B4C6-C98DA3205C09}" type="datetimeFigureOut">
               <a:rPr lang="en-US" smtClean="0"/>
               <a:pPr/>
-              <a:t>1/19/2025</a:t>
+              <a:t>1/20/2025</a:t>
             </a:fld>
             <a:endParaRPr lang="en-US"/>
           </a:p>
@@ -471,7 +471,7 @@
             <a:fld id="{1D8BD707-D9CF-40AE-B4C6-C98DA3205C09}" type="datetimeFigureOut">
               <a:rPr lang="en-US" smtClean="0"/>
               <a:pPr/>
-              <a:t>1/19/2025</a:t>
+              <a:t>1/20/2025</a:t>
             </a:fld>
             <a:endParaRPr lang="en-US"/>
           </a:p>
@@ -646,7 +646,7 @@
             <a:fld id="{1D8BD707-D9CF-40AE-B4C6-C98DA3205C09}" type="datetimeFigureOut">
               <a:rPr lang="en-US" smtClean="0"/>
               <a:pPr/>
-              <a:t>1/19/2025</a:t>
+              <a:t>1/20/2025</a:t>
             </a:fld>
             <a:endParaRPr lang="en-US"/>
           </a:p>
@@ -811,7 +811,7 @@
             <a:fld id="{1D8BD707-D9CF-40AE-B4C6-C98DA3205C09}" type="datetimeFigureOut">
               <a:rPr lang="en-US" smtClean="0"/>
               <a:pPr/>
-              <a:t>1/19/2025</a:t>
+              <a:t>1/20/2025</a:t>
             </a:fld>
             <a:endParaRPr lang="en-US"/>
           </a:p>
@@ -1053,7 +1053,7 @@
             <a:fld id="{1D8BD707-D9CF-40AE-B4C6-C98DA3205C09}" type="datetimeFigureOut">
               <a:rPr lang="en-US" smtClean="0"/>
               <a:pPr/>
-              <a:t>1/19/2025</a:t>
+              <a:t>1/20/2025</a:t>
             </a:fld>
             <a:endParaRPr lang="en-US"/>
           </a:p>
@@ -1335,7 +1335,7 @@
             <a:fld id="{1D8BD707-D9CF-40AE-B4C6-C98DA3205C09}" type="datetimeFigureOut">
               <a:rPr lang="en-US" smtClean="0"/>
               <a:pPr/>
-              <a:t>1/19/2025</a:t>
+              <a:t>1/20/2025</a:t>
             </a:fld>
             <a:endParaRPr lang="en-US"/>
           </a:p>
@@ -1751,7 +1751,7 @@
             <a:fld id="{1D8BD707-D9CF-40AE-B4C6-C98DA3205C09}" type="datetimeFigureOut">
               <a:rPr lang="en-US" smtClean="0"/>
               <a:pPr/>
-              <a:t>1/19/2025</a:t>
+              <a:t>1/20/2025</a:t>
             </a:fld>
             <a:endParaRPr lang="en-US"/>
           </a:p>
@@ -1865,7 +1865,7 @@
             <a:fld id="{1D8BD707-D9CF-40AE-B4C6-C98DA3205C09}" type="datetimeFigureOut">
               <a:rPr lang="en-US" smtClean="0"/>
               <a:pPr/>
-              <a:t>1/19/2025</a:t>
+              <a:t>1/20/2025</a:t>
             </a:fld>
             <a:endParaRPr lang="en-US"/>
           </a:p>
@@ -1957,7 +1957,7 @@
             <a:fld id="{1D8BD707-D9CF-40AE-B4C6-C98DA3205C09}" type="datetimeFigureOut">
               <a:rPr lang="en-US" smtClean="0"/>
               <a:pPr/>
-              <a:t>1/19/2025</a:t>
+              <a:t>1/20/2025</a:t>
             </a:fld>
             <a:endParaRPr lang="en-US"/>
           </a:p>
@@ -2229,7 +2229,7 @@
             <a:fld id="{1D8BD707-D9CF-40AE-B4C6-C98DA3205C09}" type="datetimeFigureOut">
               <a:rPr lang="en-US" smtClean="0"/>
               <a:pPr/>
-              <a:t>1/19/2025</a:t>
+              <a:t>1/20/2025</a:t>
             </a:fld>
             <a:endParaRPr lang="en-US"/>
           </a:p>
@@ -2478,7 +2478,7 @@
             <a:fld id="{1D8BD707-D9CF-40AE-B4C6-C98DA3205C09}" type="datetimeFigureOut">
               <a:rPr lang="en-US" smtClean="0"/>
               <a:pPr/>
-              <a:t>1/19/2025</a:t>
+              <a:t>1/20/2025</a:t>
             </a:fld>
             <a:endParaRPr lang="en-US"/>
           </a:p>
@@ -2686,7 +2686,7 @@
             <a:fld id="{1D8BD707-D9CF-40AE-B4C6-C98DA3205C09}" type="datetimeFigureOut">
               <a:rPr lang="en-US" smtClean="0"/>
               <a:pPr/>
-              <a:t>1/19/2025</a:t>
+              <a:t>1/20/2025</a:t>
             </a:fld>
             <a:endParaRPr lang="en-US"/>
           </a:p>
@@ -3849,6 +3849,42 @@
           </a:graphicData>
         </a:graphic>
       </p:graphicFrame>
+      <p:pic>
+        <p:nvPicPr>
+          <p:cNvPr id="4" name="Imagen 3">
+            <a:extLst>
+              <a:ext uri="{FF2B5EF4-FFF2-40B4-BE49-F238E27FC236}">
+                <a16:creationId xmlns:a16="http://schemas.microsoft.com/office/drawing/2014/main" id="{4EA135D4-DA62-4578-8433-5D5D1564A694}"/>
+              </a:ext>
+            </a:extLst>
+          </p:cNvPr>
+          <p:cNvPicPr>
+            <a:picLocks noChangeAspect="1"/>
+          </p:cNvPicPr>
+          <p:nvPr/>
+        </p:nvPicPr>
+        <p:blipFill>
+          <a:blip r:embed="rId2" cstate="print">
+            <a:extLst>
+              <a:ext uri="{28A0092B-C50C-407E-A947-70E740481C1C}">
+                <a14:useLocalDpi xmlns:a14="http://schemas.microsoft.com/office/drawing/2010/main" val="0"/>
+              </a:ext>
+            </a:extLst>
+          </a:blip>
+          <a:stretch>
+            <a:fillRect/>
+          </a:stretch>
+        </p:blipFill>
+        <p:spPr>
+          <a:xfrm>
+            <a:off x="6032500" y="869950"/>
+            <a:ext cx="3961130" cy="3961130"/>
+          </a:xfrm>
+          <a:prstGeom prst="rect">
+            <a:avLst/>
+          </a:prstGeom>
+        </p:spPr>
+      </p:pic>
     </p:spTree>
     <p:extLst>
       <p:ext uri="{BB962C8B-B14F-4D97-AF65-F5344CB8AC3E}">
